--- a/notes3-paraverifier-theory.pptx
+++ b/notes3-paraverifier-theory.pptx
@@ -12,8 +12,13 @@
     <p:sldId id="260" r:id="rId7"/>
     <p:sldId id="261" r:id="rId8"/>
     <p:sldId id="262" r:id="rId9"/>
-    <p:sldId id="263" r:id="rId10"/>
-    <p:sldId id="264" r:id="rId11"/>
+    <p:sldId id="266" r:id="rId10"/>
+    <p:sldId id="263" r:id="rId11"/>
+    <p:sldId id="268" r:id="rId12"/>
+    <p:sldId id="269" r:id="rId13"/>
+    <p:sldId id="264" r:id="rId14"/>
+    <p:sldId id="271" r:id="rId15"/>
+    <p:sldId id="272" r:id="rId16"/>
   </p:sldIdLst>
   <p:sldSz cx="12192000" cy="6858000"/>
   <p:notesSz cx="6858000" cy="9144000"/>
@@ -136,7 +141,7 @@
         <p:nvSpPr>
           <p:cNvPr id="2" name="Title 1"/>
           <p:cNvSpPr>
-            <a:spLocks noGrp="1"/>
+            <a:spLocks noGrp="true"/>
           </p:cNvSpPr>
           <p:nvPr>
             <p:ph type="ctrTitle"/>
@@ -168,7 +173,7 @@
         <p:nvSpPr>
           <p:cNvPr id="3" name="Subtitle 2"/>
           <p:cNvSpPr>
-            <a:spLocks noGrp="1"/>
+            <a:spLocks noGrp="true"/>
           </p:cNvSpPr>
           <p:nvPr>
             <p:ph type="subTitle" idx="1"/>
@@ -233,7 +238,7 @@
         <p:nvSpPr>
           <p:cNvPr id="4" name="Date Placeholder 3"/>
           <p:cNvSpPr>
-            <a:spLocks noGrp="1"/>
+            <a:spLocks noGrp="true"/>
           </p:cNvSpPr>
           <p:nvPr>
             <p:ph type="dt" sz="half" idx="10"/>
@@ -255,7 +260,7 @@
         <p:nvSpPr>
           <p:cNvPr id="5" name="Footer Placeholder 4"/>
           <p:cNvSpPr>
-            <a:spLocks noGrp="1"/>
+            <a:spLocks noGrp="true"/>
           </p:cNvSpPr>
           <p:nvPr>
             <p:ph type="ftr" sz="quarter" idx="11"/>
@@ -274,7 +279,7 @@
         <p:nvSpPr>
           <p:cNvPr id="6" name="Slide Number Placeholder 5"/>
           <p:cNvSpPr>
-            <a:spLocks noGrp="1"/>
+            <a:spLocks noGrp="true"/>
           </p:cNvSpPr>
           <p:nvPr>
             <p:ph type="sldNum" sz="quarter" idx="12"/>
@@ -321,7 +326,7 @@
         <p:nvSpPr>
           <p:cNvPr id="2" name="Title 1"/>
           <p:cNvSpPr>
-            <a:spLocks noGrp="1"/>
+            <a:spLocks noGrp="true"/>
           </p:cNvSpPr>
           <p:nvPr>
             <p:ph type="title"/>
@@ -344,7 +349,7 @@
         <p:nvSpPr>
           <p:cNvPr id="3" name="Vertical Text Placeholder 2"/>
           <p:cNvSpPr>
-            <a:spLocks noGrp="1"/>
+            <a:spLocks noGrp="true"/>
           </p:cNvSpPr>
           <p:nvPr>
             <p:ph type="body" orient="vert" idx="1"/>
@@ -400,7 +405,7 @@
         <p:nvSpPr>
           <p:cNvPr id="4" name="Date Placeholder 3"/>
           <p:cNvSpPr>
-            <a:spLocks noGrp="1"/>
+            <a:spLocks noGrp="true"/>
           </p:cNvSpPr>
           <p:nvPr>
             <p:ph type="dt" sz="half" idx="10"/>
@@ -422,7 +427,7 @@
         <p:nvSpPr>
           <p:cNvPr id="5" name="Footer Placeholder 4"/>
           <p:cNvSpPr>
-            <a:spLocks noGrp="1"/>
+            <a:spLocks noGrp="true"/>
           </p:cNvSpPr>
           <p:nvPr>
             <p:ph type="ftr" sz="quarter" idx="11"/>
@@ -441,7 +446,7 @@
         <p:nvSpPr>
           <p:cNvPr id="6" name="Slide Number Placeholder 5"/>
           <p:cNvSpPr>
-            <a:spLocks noGrp="1"/>
+            <a:spLocks noGrp="true"/>
           </p:cNvSpPr>
           <p:nvPr>
             <p:ph type="sldNum" sz="quarter" idx="12"/>
@@ -488,7 +493,7 @@
         <p:nvSpPr>
           <p:cNvPr id="2" name="Vertical Title 1"/>
           <p:cNvSpPr>
-            <a:spLocks noGrp="1"/>
+            <a:spLocks noGrp="true"/>
           </p:cNvSpPr>
           <p:nvPr>
             <p:ph type="title" orient="vert"/>
@@ -516,7 +521,7 @@
         <p:nvSpPr>
           <p:cNvPr id="3" name="Vertical Text Placeholder 2"/>
           <p:cNvSpPr>
-            <a:spLocks noGrp="1"/>
+            <a:spLocks noGrp="true"/>
           </p:cNvSpPr>
           <p:nvPr>
             <p:ph type="body" orient="vert" idx="1"/>
@@ -577,7 +582,7 @@
         <p:nvSpPr>
           <p:cNvPr id="4" name="Date Placeholder 3"/>
           <p:cNvSpPr>
-            <a:spLocks noGrp="1"/>
+            <a:spLocks noGrp="true"/>
           </p:cNvSpPr>
           <p:nvPr>
             <p:ph type="dt" sz="half" idx="10"/>
@@ -599,7 +604,7 @@
         <p:nvSpPr>
           <p:cNvPr id="5" name="Footer Placeholder 4"/>
           <p:cNvSpPr>
-            <a:spLocks noGrp="1"/>
+            <a:spLocks noGrp="true"/>
           </p:cNvSpPr>
           <p:nvPr>
             <p:ph type="ftr" sz="quarter" idx="11"/>
@@ -618,7 +623,7 @@
         <p:nvSpPr>
           <p:cNvPr id="6" name="Slide Number Placeholder 5"/>
           <p:cNvSpPr>
-            <a:spLocks noGrp="1"/>
+            <a:spLocks noGrp="true"/>
           </p:cNvSpPr>
           <p:nvPr>
             <p:ph type="sldNum" sz="quarter" idx="12"/>
@@ -665,7 +670,7 @@
         <p:nvSpPr>
           <p:cNvPr id="2" name="Title 1"/>
           <p:cNvSpPr>
-            <a:spLocks noGrp="1"/>
+            <a:spLocks noGrp="true"/>
           </p:cNvSpPr>
           <p:nvPr>
             <p:ph type="title"/>
@@ -688,7 +693,7 @@
         <p:nvSpPr>
           <p:cNvPr id="3" name="Content Placeholder 2"/>
           <p:cNvSpPr>
-            <a:spLocks noGrp="1"/>
+            <a:spLocks noGrp="true"/>
           </p:cNvSpPr>
           <p:nvPr>
             <p:ph idx="1"/>
@@ -744,7 +749,7 @@
         <p:nvSpPr>
           <p:cNvPr id="4" name="Date Placeholder 3"/>
           <p:cNvSpPr>
-            <a:spLocks noGrp="1"/>
+            <a:spLocks noGrp="true"/>
           </p:cNvSpPr>
           <p:nvPr>
             <p:ph type="dt" sz="half" idx="10"/>
@@ -766,7 +771,7 @@
         <p:nvSpPr>
           <p:cNvPr id="5" name="Footer Placeholder 4"/>
           <p:cNvSpPr>
-            <a:spLocks noGrp="1"/>
+            <a:spLocks noGrp="true"/>
           </p:cNvSpPr>
           <p:nvPr>
             <p:ph type="ftr" sz="quarter" idx="11"/>
@@ -785,7 +790,7 @@
         <p:nvSpPr>
           <p:cNvPr id="6" name="Slide Number Placeholder 5"/>
           <p:cNvSpPr>
-            <a:spLocks noGrp="1"/>
+            <a:spLocks noGrp="true"/>
           </p:cNvSpPr>
           <p:nvPr>
             <p:ph type="sldNum" sz="quarter" idx="12"/>
@@ -832,7 +837,7 @@
         <p:nvSpPr>
           <p:cNvPr id="2" name="Title 1"/>
           <p:cNvSpPr>
-            <a:spLocks noGrp="1"/>
+            <a:spLocks noGrp="true"/>
           </p:cNvSpPr>
           <p:nvPr>
             <p:ph type="title"/>
@@ -864,7 +869,7 @@
         <p:nvSpPr>
           <p:cNvPr id="3" name="Text Placeholder 2"/>
           <p:cNvSpPr>
-            <a:spLocks noGrp="1"/>
+            <a:spLocks noGrp="true"/>
           </p:cNvSpPr>
           <p:nvPr>
             <p:ph type="body" idx="1"/>
@@ -984,7 +989,7 @@
         <p:nvSpPr>
           <p:cNvPr id="4" name="Date Placeholder 3"/>
           <p:cNvSpPr>
-            <a:spLocks noGrp="1"/>
+            <a:spLocks noGrp="true"/>
           </p:cNvSpPr>
           <p:nvPr>
             <p:ph type="dt" sz="half" idx="10"/>
@@ -1006,7 +1011,7 @@
         <p:nvSpPr>
           <p:cNvPr id="5" name="Footer Placeholder 4"/>
           <p:cNvSpPr>
-            <a:spLocks noGrp="1"/>
+            <a:spLocks noGrp="true"/>
           </p:cNvSpPr>
           <p:nvPr>
             <p:ph type="ftr" sz="quarter" idx="11"/>
@@ -1025,7 +1030,7 @@
         <p:nvSpPr>
           <p:cNvPr id="6" name="Slide Number Placeholder 5"/>
           <p:cNvSpPr>
-            <a:spLocks noGrp="1"/>
+            <a:spLocks noGrp="true"/>
           </p:cNvSpPr>
           <p:nvPr>
             <p:ph type="sldNum" sz="quarter" idx="12"/>
@@ -1072,7 +1077,7 @@
         <p:nvSpPr>
           <p:cNvPr id="2" name="Title 1"/>
           <p:cNvSpPr>
-            <a:spLocks noGrp="1"/>
+            <a:spLocks noGrp="true"/>
           </p:cNvSpPr>
           <p:nvPr>
             <p:ph type="title"/>
@@ -1095,7 +1100,7 @@
         <p:nvSpPr>
           <p:cNvPr id="3" name="Content Placeholder 2"/>
           <p:cNvSpPr>
-            <a:spLocks noGrp="1"/>
+            <a:spLocks noGrp="true"/>
           </p:cNvSpPr>
           <p:nvPr>
             <p:ph sz="half" idx="1"/>
@@ -1156,7 +1161,7 @@
         <p:nvSpPr>
           <p:cNvPr id="4" name="Content Placeholder 3"/>
           <p:cNvSpPr>
-            <a:spLocks noGrp="1"/>
+            <a:spLocks noGrp="true"/>
           </p:cNvSpPr>
           <p:nvPr>
             <p:ph sz="half" idx="2"/>
@@ -1217,7 +1222,7 @@
         <p:nvSpPr>
           <p:cNvPr id="5" name="Date Placeholder 4"/>
           <p:cNvSpPr>
-            <a:spLocks noGrp="1"/>
+            <a:spLocks noGrp="true"/>
           </p:cNvSpPr>
           <p:nvPr>
             <p:ph type="dt" sz="half" idx="10"/>
@@ -1239,7 +1244,7 @@
         <p:nvSpPr>
           <p:cNvPr id="6" name="Footer Placeholder 5"/>
           <p:cNvSpPr>
-            <a:spLocks noGrp="1"/>
+            <a:spLocks noGrp="true"/>
           </p:cNvSpPr>
           <p:nvPr>
             <p:ph type="ftr" sz="quarter" idx="11"/>
@@ -1258,7 +1263,7 @@
         <p:nvSpPr>
           <p:cNvPr id="7" name="Slide Number Placeholder 6"/>
           <p:cNvSpPr>
-            <a:spLocks noGrp="1"/>
+            <a:spLocks noGrp="true"/>
           </p:cNvSpPr>
           <p:nvPr>
             <p:ph type="sldNum" sz="quarter" idx="12"/>
@@ -1305,7 +1310,7 @@
         <p:nvSpPr>
           <p:cNvPr id="2" name="Title 1"/>
           <p:cNvSpPr>
-            <a:spLocks noGrp="1"/>
+            <a:spLocks noGrp="true"/>
           </p:cNvSpPr>
           <p:nvPr>
             <p:ph type="title"/>
@@ -1333,7 +1338,7 @@
         <p:nvSpPr>
           <p:cNvPr id="3" name="Text Placeholder 2"/>
           <p:cNvSpPr>
-            <a:spLocks noGrp="1"/>
+            <a:spLocks noGrp="true"/>
           </p:cNvSpPr>
           <p:nvPr>
             <p:ph type="body" idx="1"/>
@@ -1399,7 +1404,7 @@
         <p:nvSpPr>
           <p:cNvPr id="4" name="Content Placeholder 3"/>
           <p:cNvSpPr>
-            <a:spLocks noGrp="1"/>
+            <a:spLocks noGrp="true"/>
           </p:cNvSpPr>
           <p:nvPr>
             <p:ph sz="half" idx="2"/>
@@ -1460,7 +1465,7 @@
         <p:nvSpPr>
           <p:cNvPr id="5" name="Text Placeholder 4"/>
           <p:cNvSpPr>
-            <a:spLocks noGrp="1"/>
+            <a:spLocks noGrp="true"/>
           </p:cNvSpPr>
           <p:nvPr>
             <p:ph type="body" sz="quarter" idx="3"/>
@@ -1526,7 +1531,7 @@
         <p:nvSpPr>
           <p:cNvPr id="6" name="Content Placeholder 5"/>
           <p:cNvSpPr>
-            <a:spLocks noGrp="1"/>
+            <a:spLocks noGrp="true"/>
           </p:cNvSpPr>
           <p:nvPr>
             <p:ph sz="quarter" idx="4"/>
@@ -1587,7 +1592,7 @@
         <p:nvSpPr>
           <p:cNvPr id="7" name="Date Placeholder 6"/>
           <p:cNvSpPr>
-            <a:spLocks noGrp="1"/>
+            <a:spLocks noGrp="true"/>
           </p:cNvSpPr>
           <p:nvPr>
             <p:ph type="dt" sz="half" idx="10"/>
@@ -1609,7 +1614,7 @@
         <p:nvSpPr>
           <p:cNvPr id="8" name="Footer Placeholder 7"/>
           <p:cNvSpPr>
-            <a:spLocks noGrp="1"/>
+            <a:spLocks noGrp="true"/>
           </p:cNvSpPr>
           <p:nvPr>
             <p:ph type="ftr" sz="quarter" idx="11"/>
@@ -1628,7 +1633,7 @@
         <p:nvSpPr>
           <p:cNvPr id="9" name="Slide Number Placeholder 8"/>
           <p:cNvSpPr>
-            <a:spLocks noGrp="1"/>
+            <a:spLocks noGrp="true"/>
           </p:cNvSpPr>
           <p:nvPr>
             <p:ph type="sldNum" sz="quarter" idx="12"/>
@@ -1675,7 +1680,7 @@
         <p:nvSpPr>
           <p:cNvPr id="2" name="Title 1"/>
           <p:cNvSpPr>
-            <a:spLocks noGrp="1"/>
+            <a:spLocks noGrp="true"/>
           </p:cNvSpPr>
           <p:nvPr>
             <p:ph type="title"/>
@@ -1698,7 +1703,7 @@
         <p:nvSpPr>
           <p:cNvPr id="3" name="Date Placeholder 2"/>
           <p:cNvSpPr>
-            <a:spLocks noGrp="1"/>
+            <a:spLocks noGrp="true"/>
           </p:cNvSpPr>
           <p:nvPr>
             <p:ph type="dt" sz="half" idx="10"/>
@@ -1720,7 +1725,7 @@
         <p:nvSpPr>
           <p:cNvPr id="4" name="Footer Placeholder 3"/>
           <p:cNvSpPr>
-            <a:spLocks noGrp="1"/>
+            <a:spLocks noGrp="true"/>
           </p:cNvSpPr>
           <p:nvPr>
             <p:ph type="ftr" sz="quarter" idx="11"/>
@@ -1739,7 +1744,7 @@
         <p:nvSpPr>
           <p:cNvPr id="5" name="Slide Number Placeholder 4"/>
           <p:cNvSpPr>
-            <a:spLocks noGrp="1"/>
+            <a:spLocks noGrp="true"/>
           </p:cNvSpPr>
           <p:nvPr>
             <p:ph type="sldNum" sz="quarter" idx="12"/>
@@ -1786,7 +1791,7 @@
         <p:nvSpPr>
           <p:cNvPr id="2" name="Date Placeholder 1"/>
           <p:cNvSpPr>
-            <a:spLocks noGrp="1"/>
+            <a:spLocks noGrp="true"/>
           </p:cNvSpPr>
           <p:nvPr>
             <p:ph type="dt" sz="half" idx="10"/>
@@ -1808,7 +1813,7 @@
         <p:nvSpPr>
           <p:cNvPr id="3" name="Footer Placeholder 2"/>
           <p:cNvSpPr>
-            <a:spLocks noGrp="1"/>
+            <a:spLocks noGrp="true"/>
           </p:cNvSpPr>
           <p:nvPr>
             <p:ph type="ftr" sz="quarter" idx="11"/>
@@ -1827,7 +1832,7 @@
         <p:nvSpPr>
           <p:cNvPr id="4" name="Slide Number Placeholder 3"/>
           <p:cNvSpPr>
-            <a:spLocks noGrp="1"/>
+            <a:spLocks noGrp="true"/>
           </p:cNvSpPr>
           <p:nvPr>
             <p:ph type="sldNum" sz="quarter" idx="12"/>
@@ -1874,7 +1879,7 @@
         <p:nvSpPr>
           <p:cNvPr id="2" name="Title 1"/>
           <p:cNvSpPr>
-            <a:spLocks noGrp="1"/>
+            <a:spLocks noGrp="true"/>
           </p:cNvSpPr>
           <p:nvPr>
             <p:ph type="title"/>
@@ -1906,7 +1911,7 @@
         <p:nvSpPr>
           <p:cNvPr id="3" name="Content Placeholder 2"/>
           <p:cNvSpPr>
-            <a:spLocks noGrp="1"/>
+            <a:spLocks noGrp="true"/>
           </p:cNvSpPr>
           <p:nvPr>
             <p:ph idx="1"/>
@@ -1995,7 +2000,7 @@
         <p:nvSpPr>
           <p:cNvPr id="4" name="Text Placeholder 3"/>
           <p:cNvSpPr>
-            <a:spLocks noGrp="1"/>
+            <a:spLocks noGrp="true"/>
           </p:cNvSpPr>
           <p:nvPr>
             <p:ph type="body" sz="half" idx="2"/>
@@ -2061,7 +2066,7 @@
         <p:nvSpPr>
           <p:cNvPr id="5" name="Date Placeholder 4"/>
           <p:cNvSpPr>
-            <a:spLocks noGrp="1"/>
+            <a:spLocks noGrp="true"/>
           </p:cNvSpPr>
           <p:nvPr>
             <p:ph type="dt" sz="half" idx="10"/>
@@ -2083,7 +2088,7 @@
         <p:nvSpPr>
           <p:cNvPr id="6" name="Footer Placeholder 5"/>
           <p:cNvSpPr>
-            <a:spLocks noGrp="1"/>
+            <a:spLocks noGrp="true"/>
           </p:cNvSpPr>
           <p:nvPr>
             <p:ph type="ftr" sz="quarter" idx="11"/>
@@ -2102,7 +2107,7 @@
         <p:nvSpPr>
           <p:cNvPr id="7" name="Slide Number Placeholder 6"/>
           <p:cNvSpPr>
-            <a:spLocks noGrp="1"/>
+            <a:spLocks noGrp="true"/>
           </p:cNvSpPr>
           <p:nvPr>
             <p:ph type="sldNum" sz="quarter" idx="12"/>
@@ -2149,7 +2154,7 @@
         <p:nvSpPr>
           <p:cNvPr id="2" name="Title 1"/>
           <p:cNvSpPr>
-            <a:spLocks noGrp="1"/>
+            <a:spLocks noGrp="true"/>
           </p:cNvSpPr>
           <p:nvPr>
             <p:ph type="title"/>
@@ -2181,7 +2186,7 @@
         <p:nvSpPr>
           <p:cNvPr id="3" name="Picture Placeholder 2"/>
           <p:cNvSpPr>
-            <a:spLocks noGrp="1"/>
+            <a:spLocks noGrp="true"/>
           </p:cNvSpPr>
           <p:nvPr>
             <p:ph type="pic" idx="1"/>
@@ -2242,7 +2247,7 @@
         <p:nvSpPr>
           <p:cNvPr id="4" name="Text Placeholder 3"/>
           <p:cNvSpPr>
-            <a:spLocks noGrp="1"/>
+            <a:spLocks noGrp="true"/>
           </p:cNvSpPr>
           <p:nvPr>
             <p:ph type="body" sz="half" idx="2"/>
@@ -2308,7 +2313,7 @@
         <p:nvSpPr>
           <p:cNvPr id="5" name="Date Placeholder 4"/>
           <p:cNvSpPr>
-            <a:spLocks noGrp="1"/>
+            <a:spLocks noGrp="true"/>
           </p:cNvSpPr>
           <p:nvPr>
             <p:ph type="dt" sz="half" idx="10"/>
@@ -2330,7 +2335,7 @@
         <p:nvSpPr>
           <p:cNvPr id="6" name="Footer Placeholder 5"/>
           <p:cNvSpPr>
-            <a:spLocks noGrp="1"/>
+            <a:spLocks noGrp="true"/>
           </p:cNvSpPr>
           <p:nvPr>
             <p:ph type="ftr" sz="quarter" idx="11"/>
@@ -2349,7 +2354,7 @@
         <p:nvSpPr>
           <p:cNvPr id="7" name="Slide Number Placeholder 6"/>
           <p:cNvSpPr>
-            <a:spLocks noGrp="1"/>
+            <a:spLocks noGrp="true"/>
           </p:cNvSpPr>
           <p:nvPr>
             <p:ph type="sldNum" sz="quarter" idx="12"/>
@@ -2401,7 +2406,7 @@
         <p:nvSpPr>
           <p:cNvPr id="2" name="Title Placeholder 1"/>
           <p:cNvSpPr>
-            <a:spLocks noGrp="1"/>
+            <a:spLocks noGrp="true"/>
           </p:cNvSpPr>
           <p:nvPr>
             <p:ph type="title"/>
@@ -2434,7 +2439,7 @@
         <p:nvSpPr>
           <p:cNvPr id="3" name="Text Placeholder 2"/>
           <p:cNvSpPr>
-            <a:spLocks noGrp="1"/>
+            <a:spLocks noGrp="true"/>
           </p:cNvSpPr>
           <p:nvPr>
             <p:ph type="body" idx="1"/>
@@ -2500,7 +2505,7 @@
         <p:nvSpPr>
           <p:cNvPr id="4" name="Date Placeholder 3"/>
           <p:cNvSpPr>
-            <a:spLocks noGrp="1"/>
+            <a:spLocks noGrp="true"/>
           </p:cNvSpPr>
           <p:nvPr>
             <p:ph type="dt" sz="half" idx="2"/>
@@ -2540,7 +2545,7 @@
         <p:nvSpPr>
           <p:cNvPr id="5" name="Footer Placeholder 4"/>
           <p:cNvSpPr>
-            <a:spLocks noGrp="1"/>
+            <a:spLocks noGrp="true"/>
           </p:cNvSpPr>
           <p:nvPr>
             <p:ph type="ftr" sz="quarter" idx="3"/>
@@ -2577,7 +2582,7 @@
         <p:nvSpPr>
           <p:cNvPr id="6" name="Slide Number Placeholder 5"/>
           <p:cNvSpPr>
-            <a:spLocks noGrp="1"/>
+            <a:spLocks noGrp="true"/>
           </p:cNvSpPr>
           <p:nvPr>
             <p:ph type="sldNum" sz="quarter" idx="4"/>
@@ -2657,7 +2662,7 @@
         <a:spcBef>
           <a:spcPts val="1000"/>
         </a:spcBef>
-        <a:buFont typeface="Arial" panose="020B0604020202020204" pitchFamily="34" charset="0"/>
+        <a:buFont typeface="Arial" panose="02080604020202020204" pitchFamily="34" charset="0"/>
         <a:buChar char="•"/>
         <a:defRPr sz="2800" kern="1200">
           <a:solidFill>
@@ -2675,7 +2680,7 @@
         <a:spcBef>
           <a:spcPts val="500"/>
         </a:spcBef>
-        <a:buFont typeface="Arial" panose="020B0604020202020204" pitchFamily="34" charset="0"/>
+        <a:buFont typeface="Arial" panose="02080604020202020204" pitchFamily="34" charset="0"/>
         <a:buChar char="•"/>
         <a:defRPr sz="2400" kern="1200">
           <a:solidFill>
@@ -2693,7 +2698,7 @@
         <a:spcBef>
           <a:spcPts val="500"/>
         </a:spcBef>
-        <a:buFont typeface="Arial" panose="020B0604020202020204" pitchFamily="34" charset="0"/>
+        <a:buFont typeface="Arial" panose="02080604020202020204" pitchFamily="34" charset="0"/>
         <a:buChar char="•"/>
         <a:defRPr sz="2000" kern="1200">
           <a:solidFill>
@@ -2711,7 +2716,7 @@
         <a:spcBef>
           <a:spcPts val="500"/>
         </a:spcBef>
-        <a:buFont typeface="Arial" panose="020B0604020202020204" pitchFamily="34" charset="0"/>
+        <a:buFont typeface="Arial" panose="02080604020202020204" pitchFamily="34" charset="0"/>
         <a:buChar char="•"/>
         <a:defRPr sz="1800" kern="1200">
           <a:solidFill>
@@ -2729,7 +2734,7 @@
         <a:spcBef>
           <a:spcPts val="500"/>
         </a:spcBef>
-        <a:buFont typeface="Arial" panose="020B0604020202020204" pitchFamily="34" charset="0"/>
+        <a:buFont typeface="Arial" panose="02080604020202020204" pitchFamily="34" charset="0"/>
         <a:buChar char="•"/>
         <a:defRPr sz="1800" kern="1200">
           <a:solidFill>
@@ -2747,7 +2752,7 @@
         <a:spcBef>
           <a:spcPts val="500"/>
         </a:spcBef>
-        <a:buFont typeface="Arial" panose="020B0604020202020204" pitchFamily="34" charset="0"/>
+        <a:buFont typeface="Arial" panose="02080604020202020204" pitchFamily="34" charset="0"/>
         <a:buChar char="•"/>
         <a:defRPr sz="1800" kern="1200">
           <a:solidFill>
@@ -2765,7 +2770,7 @@
         <a:spcBef>
           <a:spcPts val="500"/>
         </a:spcBef>
-        <a:buFont typeface="Arial" panose="020B0604020202020204" pitchFamily="34" charset="0"/>
+        <a:buFont typeface="Arial" panose="02080604020202020204" pitchFamily="34" charset="0"/>
         <a:buChar char="•"/>
         <a:defRPr sz="1800" kern="1200">
           <a:solidFill>
@@ -2783,7 +2788,7 @@
         <a:spcBef>
           <a:spcPts val="500"/>
         </a:spcBef>
-        <a:buFont typeface="Arial" panose="020B0604020202020204" pitchFamily="34" charset="0"/>
+        <a:buFont typeface="Arial" panose="02080604020202020204" pitchFamily="34" charset="0"/>
         <a:buChar char="•"/>
         <a:defRPr sz="1800" kern="1200">
           <a:solidFill>
@@ -2801,7 +2806,7 @@
         <a:spcBef>
           <a:spcPts val="500"/>
         </a:spcBef>
-        <a:buFont typeface="Arial" panose="020B0604020202020204" pitchFamily="34" charset="0"/>
+        <a:buFont typeface="Arial" panose="02080604020202020204" pitchFamily="34" charset="0"/>
         <a:buChar char="•"/>
         <a:defRPr sz="1800" kern="1200">
           <a:solidFill>
@@ -2933,7 +2938,7 @@
         <p:nvSpPr>
           <p:cNvPr id="2" name="Title 1"/>
           <p:cNvSpPr>
-            <a:spLocks noGrp="1"/>
+            <a:spLocks noGrp="true"/>
           </p:cNvSpPr>
           <p:nvPr>
             <p:ph type="ctrTitle"/>
@@ -2952,7 +2957,7 @@
         <p:nvSpPr>
           <p:cNvPr id="3" name="Subtitle 2"/>
           <p:cNvSpPr>
-            <a:spLocks noGrp="1"/>
+            <a:spLocks noGrp="true"/>
           </p:cNvSpPr>
           <p:nvPr>
             <p:ph type="subTitle" idx="1"/>
@@ -2967,6 +2972,656 @@
           </a:p>
         </p:txBody>
       </p:sp>
+    </p:spTree>
+  </p:cSld>
+  <p:clrMapOvr>
+    <a:masterClrMapping/>
+  </p:clrMapOvr>
+</p:sld>
+</file>
+
+<file path=ppt/slides/slide10.xml><?xml version="1.0" encoding="utf-8"?>
+<p:sld xmlns:a="http://schemas.openxmlformats.org/drawingml/2006/main" xmlns:r="http://schemas.openxmlformats.org/officeDocument/2006/relationships" xmlns:p="http://schemas.openxmlformats.org/presentationml/2006/main">
+  <p:cSld>
+    <p:spTree>
+      <p:nvGrpSpPr>
+        <p:cNvPr id="1" name=""/>
+        <p:cNvGrpSpPr/>
+        <p:nvPr/>
+      </p:nvGrpSpPr>
+      <p:grpSpPr/>
+      <p:sp>
+        <p:nvSpPr>
+          <p:cNvPr id="2" name="Title 1"/>
+          <p:cNvSpPr>
+            <a:spLocks noGrp="true"/>
+          </p:cNvSpPr>
+          <p:nvPr>
+            <p:ph type="title"/>
+          </p:nvPr>
+        </p:nvSpPr>
+        <p:spPr/>
+        <p:txBody>
+          <a:bodyPr>
+            <a:normAutofit fontScale="90000"/>
+          </a:bodyPr>
+          <a:p>
+            <a:r>
+              <a:rPr lang="en-US">
+                <a:sym typeface="+mn-ea"/>
+              </a:rPr>
+              <a:t>Construct Concret Auxiliary Invariants</a:t>
+            </a:r>
+            <a:endParaRPr lang="en-US"/>
+          </a:p>
+        </p:txBody>
+      </p:sp>
+      <p:pic>
+        <p:nvPicPr>
+          <p:cNvPr id="4" name="Content Placeholder 3"/>
+          <p:cNvPicPr>
+            <a:picLocks noChangeAspect="true"/>
+          </p:cNvPicPr>
+          <p:nvPr>
+            <p:ph sz="half" idx="2"/>
+          </p:nvPr>
+        </p:nvPicPr>
+        <p:blipFill>
+          <a:blip r:embed="rId1"/>
+          <a:stretch>
+            <a:fillRect/>
+          </a:stretch>
+        </p:blipFill>
+        <p:spPr>
+          <a:xfrm>
+            <a:off x="658495" y="4100830"/>
+            <a:ext cx="10875645" cy="2367280"/>
+          </a:xfrm>
+          <a:prstGeom prst="rect">
+            <a:avLst/>
+          </a:prstGeom>
+        </p:spPr>
+      </p:pic>
+      <p:pic>
+        <p:nvPicPr>
+          <p:cNvPr id="5" name="Picture 4"/>
+          <p:cNvPicPr>
+            <a:picLocks noChangeAspect="true"/>
+          </p:cNvPicPr>
+          <p:nvPr/>
+        </p:nvPicPr>
+        <p:blipFill>
+          <a:blip r:embed="rId2">
+            <a:lum bright="-12000" contrast="24000"/>
+          </a:blip>
+          <a:stretch>
+            <a:fillRect/>
+          </a:stretch>
+        </p:blipFill>
+        <p:spPr>
+          <a:xfrm>
+            <a:off x="658495" y="1581150"/>
+            <a:ext cx="11179175" cy="1704975"/>
+          </a:xfrm>
+          <a:prstGeom prst="rect">
+            <a:avLst/>
+          </a:prstGeom>
+        </p:spPr>
+      </p:pic>
+    </p:spTree>
+  </p:cSld>
+  <p:clrMapOvr>
+    <a:masterClrMapping/>
+  </p:clrMapOvr>
+</p:sld>
+</file>
+
+<file path=ppt/slides/slide11.xml><?xml version="1.0" encoding="utf-8"?>
+<p:sld xmlns:a="http://schemas.openxmlformats.org/drawingml/2006/main" xmlns:r="http://schemas.openxmlformats.org/officeDocument/2006/relationships" xmlns:p="http://schemas.openxmlformats.org/presentationml/2006/main">
+  <p:cSld>
+    <p:spTree>
+      <p:nvGrpSpPr>
+        <p:cNvPr id="1" name=""/>
+        <p:cNvGrpSpPr/>
+        <p:nvPr/>
+      </p:nvGrpSpPr>
+      <p:grpSpPr/>
+      <p:sp>
+        <p:nvSpPr>
+          <p:cNvPr id="2" name="Title 1"/>
+          <p:cNvSpPr>
+            <a:spLocks noGrp="true"/>
+          </p:cNvSpPr>
+          <p:nvPr>
+            <p:ph type="title"/>
+          </p:nvPr>
+        </p:nvSpPr>
+        <p:spPr/>
+        <p:txBody>
+          <a:bodyPr>
+            <a:normAutofit fontScale="90000"/>
+          </a:bodyPr>
+          <a:p>
+            <a:r>
+              <a:rPr lang="en-US">
+                <a:sym typeface="+mn-ea"/>
+              </a:rPr>
+              <a:t>Construct Concret Auxiliary Invariants</a:t>
+            </a:r>
+            <a:endParaRPr lang="en-US"/>
+          </a:p>
+        </p:txBody>
+      </p:sp>
+      <p:sp>
+        <p:nvSpPr>
+          <p:cNvPr id="6" name="Content Placeholder 5"/>
+          <p:cNvSpPr>
+            <a:spLocks noGrp="true"/>
+          </p:cNvSpPr>
+          <p:nvPr/>
+        </p:nvSpPr>
+        <p:spPr>
+          <a:xfrm>
+            <a:off x="965200" y="1952625"/>
+            <a:ext cx="10515600" cy="4351338"/>
+          </a:xfrm>
+          <a:prstGeom prst="rect">
+            <a:avLst/>
+          </a:prstGeom>
+        </p:spPr>
+        <p:txBody>
+          <a:bodyPr vert="horz" lIns="91440" tIns="45720" rIns="91440" bIns="45720" rtlCol="0">
+            <a:normAutofit/>
+          </a:bodyPr>
+          <a:lstStyle>
+            <a:lvl1pPr marL="228600" indent="-228600" algn="l" defTabSz="914400" rtl="0" eaLnBrk="1" latinLnBrk="0" hangingPunct="1">
+              <a:lnSpc>
+                <a:spcPct val="90000"/>
+              </a:lnSpc>
+              <a:spcBef>
+                <a:spcPts val="1000"/>
+              </a:spcBef>
+              <a:buFont typeface="Arial" panose="02080604020202020204" pitchFamily="34" charset="0"/>
+              <a:buChar char="•"/>
+              <a:defRPr sz="2800" kern="1200">
+                <a:solidFill>
+                  <a:schemeClr val="tx1"/>
+                </a:solidFill>
+                <a:latin typeface="+mn-lt"/>
+                <a:ea typeface="+mn-ea"/>
+                <a:cs typeface="+mn-cs"/>
+              </a:defRPr>
+            </a:lvl1pPr>
+            <a:lvl2pPr marL="685800" indent="-228600" algn="l" defTabSz="914400" rtl="0" eaLnBrk="1" latinLnBrk="0" hangingPunct="1">
+              <a:lnSpc>
+                <a:spcPct val="90000"/>
+              </a:lnSpc>
+              <a:spcBef>
+                <a:spcPts val="500"/>
+              </a:spcBef>
+              <a:buFont typeface="Arial" panose="02080604020202020204" pitchFamily="34" charset="0"/>
+              <a:buChar char="•"/>
+              <a:defRPr sz="2400" kern="1200">
+                <a:solidFill>
+                  <a:schemeClr val="tx1"/>
+                </a:solidFill>
+                <a:latin typeface="+mn-lt"/>
+                <a:ea typeface="+mn-ea"/>
+                <a:cs typeface="+mn-cs"/>
+              </a:defRPr>
+            </a:lvl2pPr>
+            <a:lvl3pPr marL="1143000" indent="-228600" algn="l" defTabSz="914400" rtl="0" eaLnBrk="1" latinLnBrk="0" hangingPunct="1">
+              <a:lnSpc>
+                <a:spcPct val="90000"/>
+              </a:lnSpc>
+              <a:spcBef>
+                <a:spcPts val="500"/>
+              </a:spcBef>
+              <a:buFont typeface="Arial" panose="02080604020202020204" pitchFamily="34" charset="0"/>
+              <a:buChar char="•"/>
+              <a:defRPr sz="2000" kern="1200">
+                <a:solidFill>
+                  <a:schemeClr val="tx1"/>
+                </a:solidFill>
+                <a:latin typeface="+mn-lt"/>
+                <a:ea typeface="+mn-ea"/>
+                <a:cs typeface="+mn-cs"/>
+              </a:defRPr>
+            </a:lvl3pPr>
+            <a:lvl4pPr marL="1600200" indent="-228600" algn="l" defTabSz="914400" rtl="0" eaLnBrk="1" latinLnBrk="0" hangingPunct="1">
+              <a:lnSpc>
+                <a:spcPct val="90000"/>
+              </a:lnSpc>
+              <a:spcBef>
+                <a:spcPts val="500"/>
+              </a:spcBef>
+              <a:buFont typeface="Arial" panose="02080604020202020204" pitchFamily="34" charset="0"/>
+              <a:buChar char="•"/>
+              <a:defRPr sz="1800" kern="1200">
+                <a:solidFill>
+                  <a:schemeClr val="tx1"/>
+                </a:solidFill>
+                <a:latin typeface="+mn-lt"/>
+                <a:ea typeface="+mn-ea"/>
+                <a:cs typeface="+mn-cs"/>
+              </a:defRPr>
+            </a:lvl4pPr>
+            <a:lvl5pPr marL="2057400" indent="-228600" algn="l" defTabSz="914400" rtl="0" eaLnBrk="1" latinLnBrk="0" hangingPunct="1">
+              <a:lnSpc>
+                <a:spcPct val="90000"/>
+              </a:lnSpc>
+              <a:spcBef>
+                <a:spcPts val="500"/>
+              </a:spcBef>
+              <a:buFont typeface="Arial" panose="02080604020202020204" pitchFamily="34" charset="0"/>
+              <a:buChar char="•"/>
+              <a:defRPr sz="1800" kern="1200">
+                <a:solidFill>
+                  <a:schemeClr val="tx1"/>
+                </a:solidFill>
+                <a:latin typeface="+mn-lt"/>
+                <a:ea typeface="+mn-ea"/>
+                <a:cs typeface="+mn-cs"/>
+              </a:defRPr>
+            </a:lvl5pPr>
+            <a:lvl6pPr marL="2514600" indent="-228600" algn="l" defTabSz="914400" rtl="0" eaLnBrk="1" latinLnBrk="0" hangingPunct="1">
+              <a:lnSpc>
+                <a:spcPct val="90000"/>
+              </a:lnSpc>
+              <a:spcBef>
+                <a:spcPts val="500"/>
+              </a:spcBef>
+              <a:buFont typeface="Arial" panose="02080604020202020204" pitchFamily="34" charset="0"/>
+              <a:buChar char="•"/>
+              <a:defRPr sz="1800" kern="1200">
+                <a:solidFill>
+                  <a:schemeClr val="tx1"/>
+                </a:solidFill>
+                <a:latin typeface="+mn-lt"/>
+                <a:ea typeface="+mn-ea"/>
+                <a:cs typeface="+mn-cs"/>
+              </a:defRPr>
+            </a:lvl6pPr>
+            <a:lvl7pPr marL="2971800" indent="-228600" algn="l" defTabSz="914400" rtl="0" eaLnBrk="1" latinLnBrk="0" hangingPunct="1">
+              <a:lnSpc>
+                <a:spcPct val="90000"/>
+              </a:lnSpc>
+              <a:spcBef>
+                <a:spcPts val="500"/>
+              </a:spcBef>
+              <a:buFont typeface="Arial" panose="02080604020202020204" pitchFamily="34" charset="0"/>
+              <a:buChar char="•"/>
+              <a:defRPr sz="1800" kern="1200">
+                <a:solidFill>
+                  <a:schemeClr val="tx1"/>
+                </a:solidFill>
+                <a:latin typeface="+mn-lt"/>
+                <a:ea typeface="+mn-ea"/>
+                <a:cs typeface="+mn-cs"/>
+              </a:defRPr>
+            </a:lvl7pPr>
+            <a:lvl8pPr marL="3429000" indent="-228600" algn="l" defTabSz="914400" rtl="0" eaLnBrk="1" latinLnBrk="0" hangingPunct="1">
+              <a:lnSpc>
+                <a:spcPct val="90000"/>
+              </a:lnSpc>
+              <a:spcBef>
+                <a:spcPts val="500"/>
+              </a:spcBef>
+              <a:buFont typeface="Arial" panose="02080604020202020204" pitchFamily="34" charset="0"/>
+              <a:buChar char="•"/>
+              <a:defRPr sz="1800" kern="1200">
+                <a:solidFill>
+                  <a:schemeClr val="tx1"/>
+                </a:solidFill>
+                <a:latin typeface="+mn-lt"/>
+                <a:ea typeface="+mn-ea"/>
+                <a:cs typeface="+mn-cs"/>
+              </a:defRPr>
+            </a:lvl8pPr>
+            <a:lvl9pPr marL="3886200" indent="-228600" algn="l" defTabSz="914400" rtl="0" eaLnBrk="1" latinLnBrk="0" hangingPunct="1">
+              <a:lnSpc>
+                <a:spcPct val="90000"/>
+              </a:lnSpc>
+              <a:spcBef>
+                <a:spcPts val="500"/>
+              </a:spcBef>
+              <a:buFont typeface="Arial" panose="02080604020202020204" pitchFamily="34" charset="0"/>
+              <a:buChar char="•"/>
+              <a:defRPr sz="1800" kern="1200">
+                <a:solidFill>
+                  <a:schemeClr val="tx1"/>
+                </a:solidFill>
+                <a:latin typeface="+mn-lt"/>
+                <a:ea typeface="+mn-ea"/>
+                <a:cs typeface="+mn-cs"/>
+              </a:defRPr>
+            </a:lvl9pPr>
+          </a:lstStyle>
+          <a:p>
+            <a:pPr marL="0" indent="0">
+              <a:buNone/>
+            </a:pPr>
+            <a:endParaRPr lang="en-US">
+              <a:sym typeface="+mn-ea"/>
+            </a:endParaRPr>
+          </a:p>
+          <a:p>
+            <a:r>
+              <a:rPr lang="en-US">
+                <a:sym typeface="+mn-ea"/>
+              </a:rPr>
+              <a:t>A semi-algorithm</a:t>
+            </a:r>
+            <a:endParaRPr lang="en-US"/>
+          </a:p>
+          <a:p>
+            <a:pPr lvl="1"/>
+            <a:r>
+              <a:rPr lang="en-US"/>
+              <a:t>a semi-algorithm for finding proof dependencies as well as concretized candidates for strengthening</a:t>
+            </a:r>
+            <a:endParaRPr lang="en-US"/>
+          </a:p>
+          <a:p>
+            <a:pPr lvl="1"/>
+            <a:endParaRPr lang="en-US"/>
+          </a:p>
+          <a:p>
+            <a:pPr lvl="0"/>
+            <a:r>
+              <a:rPr lang="en-US"/>
+              <a:t>The concrete candidate</a:t>
+            </a:r>
+            <a:r>
+              <a:rPr lang="" altLang="en-US"/>
+              <a:t> </a:t>
+            </a:r>
+            <a:r>
+              <a:rPr lang="en-US"/>
+              <a:t>invariant is generalized and</a:t>
+            </a:r>
+            <a:r>
+              <a:rPr lang="" altLang="en-US"/>
+              <a:t> then </a:t>
+            </a:r>
+            <a:r>
+              <a:rPr lang="en-US"/>
+              <a:t>added to the set of invariants that need</a:t>
+            </a:r>
+            <a:r>
+              <a:rPr lang="" altLang="en-US"/>
+              <a:t> </a:t>
+            </a:r>
+            <a:r>
+              <a:rPr lang="en-US"/>
+              <a:t>proof.</a:t>
+            </a:r>
+            <a:endParaRPr lang="en-US"/>
+          </a:p>
+          <a:p>
+            <a:endParaRPr lang="en-US"/>
+          </a:p>
+        </p:txBody>
+      </p:sp>
+    </p:spTree>
+  </p:cSld>
+  <p:clrMapOvr>
+    <a:masterClrMapping/>
+  </p:clrMapOvr>
+</p:sld>
+</file>
+
+<file path=ppt/slides/slide12.xml><?xml version="1.0" encoding="utf-8"?>
+<p:sld xmlns:a="http://schemas.openxmlformats.org/drawingml/2006/main" xmlns:r="http://schemas.openxmlformats.org/officeDocument/2006/relationships" xmlns:p="http://schemas.openxmlformats.org/presentationml/2006/main">
+  <p:cSld>
+    <p:spTree>
+      <p:nvGrpSpPr>
+        <p:cNvPr id="1" name=""/>
+        <p:cNvGrpSpPr/>
+        <p:nvPr/>
+      </p:nvGrpSpPr>
+      <p:grpSpPr/>
+      <p:sp>
+        <p:nvSpPr>
+          <p:cNvPr id="2" name="Title 1"/>
+          <p:cNvSpPr>
+            <a:spLocks noGrp="true"/>
+          </p:cNvSpPr>
+          <p:nvPr>
+            <p:ph type="title"/>
+          </p:nvPr>
+        </p:nvSpPr>
+        <p:spPr/>
+        <p:txBody>
+          <a:bodyPr/>
+          <a:p>
+            <a:r>
+              <a:rPr lang="en-US"/>
+              <a:t>Genaralizing Concrete Invariants</a:t>
+            </a:r>
+            <a:endParaRPr lang="en-US"/>
+          </a:p>
+        </p:txBody>
+      </p:sp>
+      <p:sp>
+        <p:nvSpPr>
+          <p:cNvPr id="3" name="Content Placeholder 2"/>
+          <p:cNvSpPr>
+            <a:spLocks noGrp="true"/>
+          </p:cNvSpPr>
+          <p:nvPr>
+            <p:ph idx="1"/>
+          </p:nvPr>
+        </p:nvSpPr>
+        <p:spPr>
+          <a:xfrm>
+            <a:off x="838200" y="1449705"/>
+            <a:ext cx="10515600" cy="4727575"/>
+          </a:xfrm>
+        </p:spPr>
+        <p:txBody>
+          <a:bodyPr/>
+          <a:p>
+            <a:r>
+              <a:rPr lang="en-US"/>
+              <a:t>We generalize guarded commands in the context of a requirement and therefore have to add parameter constraints to describe the relations between the parameters of the requirement and those of the guarded command.</a:t>
+            </a:r>
+            <a:endParaRPr lang="en-US"/>
+          </a:p>
+          <a:p>
+            <a:endParaRPr lang="en-US"/>
+          </a:p>
+        </p:txBody>
+      </p:sp>
+    </p:spTree>
+  </p:cSld>
+  <p:clrMapOvr>
+    <a:masterClrMapping/>
+  </p:clrMapOvr>
+</p:sld>
+</file>
+
+<file path=ppt/slides/slide13.xml><?xml version="1.0" encoding="utf-8"?>
+<p:sld xmlns:a="http://schemas.openxmlformats.org/drawingml/2006/main" xmlns:r="http://schemas.openxmlformats.org/officeDocument/2006/relationships" xmlns:p="http://schemas.openxmlformats.org/presentationml/2006/main">
+  <p:cSld>
+    <p:spTree>
+      <p:nvGrpSpPr>
+        <p:cNvPr id="1" name=""/>
+        <p:cNvGrpSpPr/>
+        <p:nvPr/>
+      </p:nvGrpSpPr>
+      <p:grpSpPr/>
+      <p:sp>
+        <p:nvSpPr>
+          <p:cNvPr id="2" name="Title 1"/>
+          <p:cNvSpPr>
+            <a:spLocks noGrp="true"/>
+          </p:cNvSpPr>
+          <p:nvPr>
+            <p:ph type="title"/>
+          </p:nvPr>
+        </p:nvSpPr>
+        <p:spPr/>
+        <p:txBody>
+          <a:bodyPr>
+            <a:normAutofit/>
+          </a:bodyPr>
+          <a:p>
+            <a:r>
+              <a:rPr lang="en-US">
+                <a:sym typeface="+mn-ea"/>
+              </a:rPr>
+              <a:t>Genaralizing Concrete Invariants</a:t>
+            </a:r>
+            <a:endParaRPr lang="en-US"/>
+          </a:p>
+        </p:txBody>
+      </p:sp>
+      <p:pic>
+        <p:nvPicPr>
+          <p:cNvPr id="4" name="Content Placeholder 3"/>
+          <p:cNvPicPr>
+            <a:picLocks noChangeAspect="true"/>
+          </p:cNvPicPr>
+          <p:nvPr>
+            <p:ph idx="1"/>
+          </p:nvPr>
+        </p:nvPicPr>
+        <p:blipFill>
+          <a:blip r:embed="rId1"/>
+          <a:stretch>
+            <a:fillRect/>
+          </a:stretch>
+        </p:blipFill>
+        <p:spPr>
+          <a:xfrm>
+            <a:off x="838200" y="1691005"/>
+            <a:ext cx="10344150" cy="904875"/>
+          </a:xfrm>
+          <a:prstGeom prst="rect">
+            <a:avLst/>
+          </a:prstGeom>
+        </p:spPr>
+      </p:pic>
+      <p:pic>
+        <p:nvPicPr>
+          <p:cNvPr id="5" name="Picture 4"/>
+          <p:cNvPicPr>
+            <a:picLocks noChangeAspect="true"/>
+          </p:cNvPicPr>
+          <p:nvPr/>
+        </p:nvPicPr>
+        <p:blipFill>
+          <a:blip r:embed="rId2"/>
+          <a:srcRect b="1905"/>
+          <a:stretch>
+            <a:fillRect/>
+          </a:stretch>
+        </p:blipFill>
+        <p:spPr>
+          <a:xfrm>
+            <a:off x="838200" y="2486660"/>
+            <a:ext cx="10677525" cy="1177290"/>
+          </a:xfrm>
+          <a:prstGeom prst="rect">
+            <a:avLst/>
+          </a:prstGeom>
+        </p:spPr>
+      </p:pic>
+    </p:spTree>
+  </p:cSld>
+  <p:clrMapOvr>
+    <a:masterClrMapping/>
+  </p:clrMapOvr>
+</p:sld>
+</file>
+
+<file path=ppt/slides/slide14.xml><?xml version="1.0" encoding="utf-8"?>
+<p:sld xmlns:a="http://schemas.openxmlformats.org/drawingml/2006/main" xmlns:r="http://schemas.openxmlformats.org/officeDocument/2006/relationships" xmlns:p="http://schemas.openxmlformats.org/presentationml/2006/main">
+  <p:cSld>
+    <p:spTree>
+      <p:nvGrpSpPr>
+        <p:cNvPr id="1" name=""/>
+        <p:cNvGrpSpPr/>
+        <p:nvPr/>
+      </p:nvGrpSpPr>
+      <p:grpSpPr/>
+      <p:sp>
+        <p:nvSpPr>
+          <p:cNvPr id="2" name="Title 1"/>
+          <p:cNvSpPr>
+            <a:spLocks noGrp="true"/>
+          </p:cNvSpPr>
+          <p:nvPr>
+            <p:ph type="title"/>
+          </p:nvPr>
+        </p:nvSpPr>
+        <p:spPr/>
+        <p:txBody>
+          <a:bodyPr/>
+          <a:p>
+            <a:r>
+              <a:rPr lang="en-US">
+                <a:sym typeface="+mn-ea"/>
+              </a:rPr>
+              <a:t>Genaralizing Concrete Invariants</a:t>
+            </a:r>
+            <a:endParaRPr lang="en-US"/>
+          </a:p>
+        </p:txBody>
+      </p:sp>
+      <p:pic>
+        <p:nvPicPr>
+          <p:cNvPr id="9" name="Content Placeholder 8"/>
+          <p:cNvPicPr>
+            <a:picLocks noChangeAspect="true"/>
+          </p:cNvPicPr>
+          <p:nvPr>
+            <p:ph idx="1"/>
+          </p:nvPr>
+        </p:nvPicPr>
+        <p:blipFill>
+          <a:blip r:embed="rId1">
+            <a:lum bright="-6000" contrast="12000"/>
+          </a:blip>
+          <a:stretch>
+            <a:fillRect/>
+          </a:stretch>
+        </p:blipFill>
+        <p:spPr>
+          <a:xfrm>
+            <a:off x="-38735" y="2544445"/>
+            <a:ext cx="9984105" cy="2150110"/>
+          </a:xfrm>
+          <a:prstGeom prst="rect">
+            <a:avLst/>
+          </a:prstGeom>
+        </p:spPr>
+      </p:pic>
+      <p:pic>
+        <p:nvPicPr>
+          <p:cNvPr id="4" name="Picture 3"/>
+          <p:cNvPicPr>
+            <a:picLocks noChangeAspect="true"/>
+          </p:cNvPicPr>
+          <p:nvPr/>
+        </p:nvPicPr>
+        <p:blipFill>
+          <a:blip r:embed="rId2"/>
+          <a:stretch>
+            <a:fillRect/>
+          </a:stretch>
+        </p:blipFill>
+        <p:spPr>
+          <a:xfrm>
+            <a:off x="176530" y="1783715"/>
+            <a:ext cx="11839575" cy="619125"/>
+          </a:xfrm>
+          <a:prstGeom prst="rect">
+            <a:avLst/>
+          </a:prstGeom>
+        </p:spPr>
+      </p:pic>
     </p:spTree>
   </p:cSld>
   <p:clrMapOvr>
@@ -2989,7 +3644,7 @@
         <p:nvSpPr>
           <p:cNvPr id="2" name="Title 1"/>
           <p:cNvSpPr>
-            <a:spLocks noGrp="1"/>
+            <a:spLocks noGrp="true"/>
           </p:cNvSpPr>
           <p:nvPr>
             <p:ph type="title"/>
@@ -3007,7 +3662,7 @@
         <p:nvSpPr>
           <p:cNvPr id="3" name="Content Placeholder 2"/>
           <p:cNvSpPr>
-            <a:spLocks noGrp="1"/>
+            <a:spLocks noGrp="true"/>
           </p:cNvSpPr>
           <p:nvPr>
             <p:ph idx="1"/>
@@ -3064,7 +3719,7 @@
         <p:nvPicPr>
           <p:cNvPr id="4" name="Picture 3"/>
           <p:cNvPicPr>
-            <a:picLocks noChangeAspect="1"/>
+            <a:picLocks noChangeAspect="true"/>
           </p:cNvPicPr>
           <p:nvPr/>
         </p:nvPicPr>
@@ -3106,7 +3761,7 @@
         <p:nvSpPr>
           <p:cNvPr id="2" name="Title 1"/>
           <p:cNvSpPr>
-            <a:spLocks noGrp="1"/>
+            <a:spLocks noGrp="true"/>
           </p:cNvSpPr>
           <p:nvPr>
             <p:ph type="title"/>
@@ -3128,7 +3783,7 @@
         <p:nvPicPr>
           <p:cNvPr id="4" name="Content Placeholder 3"/>
           <p:cNvPicPr>
-            <a:picLocks noChangeAspect="1"/>
+            <a:picLocks noChangeAspect="true"/>
           </p:cNvPicPr>
           <p:nvPr>
             <p:ph idx="1"/>
@@ -3172,7 +3827,7 @@
         <p:nvSpPr>
           <p:cNvPr id="2" name="Title 1"/>
           <p:cNvSpPr>
-            <a:spLocks noGrp="1"/>
+            <a:spLocks noGrp="true"/>
           </p:cNvSpPr>
           <p:nvPr>
             <p:ph type="title"/>
@@ -3194,7 +3849,7 @@
         <p:nvPicPr>
           <p:cNvPr id="4" name="Content Placeholder 3"/>
           <p:cNvPicPr>
-            <a:picLocks noChangeAspect="1"/>
+            <a:picLocks noChangeAspect="true"/>
           </p:cNvPicPr>
           <p:nvPr>
             <p:ph idx="1"/>
@@ -3220,7 +3875,7 @@
         <p:nvPicPr>
           <p:cNvPr id="5" name="Picture 4"/>
           <p:cNvPicPr>
-            <a:picLocks noChangeAspect="1"/>
+            <a:picLocks noChangeAspect="true"/>
           </p:cNvPicPr>
           <p:nvPr/>
         </p:nvPicPr>
@@ -3244,7 +3899,7 @@
         <p:nvPicPr>
           <p:cNvPr id="6" name="Picture 5"/>
           <p:cNvPicPr>
-            <a:picLocks noChangeAspect="1"/>
+            <a:picLocks noChangeAspect="true"/>
           </p:cNvPicPr>
           <p:nvPr/>
         </p:nvPicPr>
@@ -3286,7 +3941,7 @@
         <p:nvSpPr>
           <p:cNvPr id="2" name="Title 1"/>
           <p:cNvSpPr>
-            <a:spLocks noGrp="1"/>
+            <a:spLocks noGrp="true"/>
           </p:cNvSpPr>
           <p:nvPr>
             <p:ph type="title"/>
@@ -3308,14 +3963,16 @@
         <p:nvPicPr>
           <p:cNvPr id="4" name="Content Placeholder 3"/>
           <p:cNvPicPr>
-            <a:picLocks noChangeAspect="1"/>
+            <a:picLocks noChangeAspect="true"/>
           </p:cNvPicPr>
           <p:nvPr>
             <p:ph idx="1"/>
           </p:nvPr>
         </p:nvPicPr>
         <p:blipFill>
-          <a:blip r:embed="rId1"/>
+          <a:blip r:embed="rId1">
+            <a:lum bright="-12000" contrast="24000"/>
+          </a:blip>
           <a:stretch>
             <a:fillRect/>
           </a:stretch>
@@ -3352,7 +4009,7 @@
         <p:nvSpPr>
           <p:cNvPr id="2" name="Title 1"/>
           <p:cNvSpPr>
-            <a:spLocks noGrp="1"/>
+            <a:spLocks noGrp="true"/>
           </p:cNvSpPr>
           <p:nvPr>
             <p:ph type="title"/>
@@ -3374,7 +4031,7 @@
         <p:nvSpPr>
           <p:cNvPr id="3" name="Content Placeholder 2"/>
           <p:cNvSpPr>
-            <a:spLocks noGrp="1"/>
+            <a:spLocks noGrp="true"/>
           </p:cNvSpPr>
           <p:nvPr>
             <p:ph idx="1"/>
@@ -3420,7 +4077,7 @@
         <p:nvPicPr>
           <p:cNvPr id="4" name="Picture 3"/>
           <p:cNvPicPr>
-            <a:picLocks noChangeAspect="1"/>
+            <a:picLocks noChangeAspect="true"/>
           </p:cNvPicPr>
           <p:nvPr/>
         </p:nvPicPr>
@@ -3462,7 +4119,7 @@
         <p:nvSpPr>
           <p:cNvPr id="2" name="Title 1"/>
           <p:cNvSpPr>
-            <a:spLocks noGrp="1"/>
+            <a:spLocks noGrp="true"/>
           </p:cNvSpPr>
           <p:nvPr>
             <p:ph type="title"/>
@@ -3470,11 +4127,21 @@
         </p:nvSpPr>
         <p:spPr/>
         <p:txBody>
-          <a:bodyPr/>
+          <a:bodyPr>
+            <a:normAutofit fontScale="90000"/>
+          </a:bodyPr>
           <a:p>
             <a:r>
               <a:rPr lang="en-US"/>
-              <a:t>Construct Concret Auxiliary Invariants</a:t>
+              <a:t>Construct Concret Auxiliary</a:t>
+            </a:r>
+            <a:r>
+              <a:rPr lang="" altLang="en-US"/>
+              <a:t> </a:t>
+            </a:r>
+            <a:r>
+              <a:rPr lang="en-US"/>
+              <a:t>Invariants</a:t>
             </a:r>
             <a:endParaRPr lang="en-US"/>
           </a:p>
@@ -3484,13 +4151,18 @@
         <p:nvSpPr>
           <p:cNvPr id="3" name="Content Placeholder 2"/>
           <p:cNvSpPr>
-            <a:spLocks noGrp="1"/>
+            <a:spLocks noGrp="true"/>
           </p:cNvSpPr>
           <p:nvPr>
             <p:ph sz="half" idx="1"/>
           </p:nvPr>
         </p:nvSpPr>
-        <p:spPr/>
+        <p:spPr>
+          <a:xfrm>
+            <a:off x="581660" y="3571240"/>
+            <a:ext cx="5181600" cy="4351338"/>
+          </a:xfrm>
+        </p:spPr>
         <p:txBody>
           <a:bodyPr/>
           <a:p>
@@ -3507,13 +4179,11 @@
       </p:sp>
       <p:pic>
         <p:nvPicPr>
-          <p:cNvPr id="4" name="Content Placeholder 3"/>
+          <p:cNvPr id="5" name="Picture 4"/>
           <p:cNvPicPr>
-            <a:picLocks noChangeAspect="1"/>
+            <a:picLocks noChangeAspect="true"/>
           </p:cNvPicPr>
-          <p:nvPr>
-            <p:ph sz="half" idx="2"/>
-          </p:nvPr>
+          <p:nvPr/>
         </p:nvPicPr>
         <p:blipFill>
           <a:blip r:embed="rId1"/>
@@ -3523,8 +4193,8 @@
         </p:blipFill>
         <p:spPr>
           <a:xfrm>
-            <a:off x="657860" y="2817495"/>
-            <a:ext cx="10875645" cy="2367280"/>
+            <a:off x="581660" y="1884680"/>
+            <a:ext cx="11377295" cy="1059815"/>
           </a:xfrm>
           <a:prstGeom prst="rect">
             <a:avLst/>
@@ -3553,7 +4223,7 @@
         <p:nvSpPr>
           <p:cNvPr id="5" name="Title 4"/>
           <p:cNvSpPr>
-            <a:spLocks noGrp="1"/>
+            <a:spLocks noGrp="true"/>
           </p:cNvSpPr>
           <p:nvPr>
             <p:ph type="title"/>
@@ -3561,41 +4231,48 @@
         </p:nvSpPr>
         <p:spPr/>
         <p:txBody>
-          <a:bodyPr/>
-          <a:p>
-            <a:r>
-              <a:rPr lang="en-US"/>
-              <a:t> A semi-algorithm</a:t>
-            </a:r>
-            <a:endParaRPr lang="en-US"/>
-          </a:p>
-        </p:txBody>
-      </p:sp>
-      <p:sp>
-        <p:nvSpPr>
-          <p:cNvPr id="6" name="Content Placeholder 5"/>
-          <p:cNvSpPr>
-            <a:spLocks noGrp="1"/>
-          </p:cNvSpPr>
+          <a:bodyPr>
+            <a:normAutofit fontScale="90000"/>
+          </a:bodyPr>
+          <a:p>
+            <a:r>
+              <a:rPr lang="en-US">
+                <a:sym typeface="+mn-ea"/>
+              </a:rPr>
+              <a:t>Construct Concret Auxiliary Invariants</a:t>
+            </a:r>
+            <a:endParaRPr lang="en-US"/>
+          </a:p>
+        </p:txBody>
+      </p:sp>
+      <p:pic>
+        <p:nvPicPr>
+          <p:cNvPr id="7" name="Content Placeholder 6"/>
+          <p:cNvPicPr>
+            <a:picLocks noChangeAspect="true"/>
+          </p:cNvPicPr>
           <p:nvPr>
             <p:ph idx="1"/>
           </p:nvPr>
-        </p:nvSpPr>
-        <p:spPr/>
-        <p:txBody>
-          <a:bodyPr/>
-          <a:p>
-            <a:r>
-              <a:rPr lang="en-US"/>
-              <a:t>a semi-algorithm for finding proof dependencies as well as concretized candidates for strengthening</a:t>
-            </a:r>
-            <a:endParaRPr lang="en-US"/>
-          </a:p>
-          <a:p>
-            <a:endParaRPr lang="en-US"/>
-          </a:p>
-        </p:txBody>
-      </p:sp>
+        </p:nvPicPr>
+        <p:blipFill>
+          <a:blip r:embed="rId1">
+            <a:lum bright="-12000" contrast="24000"/>
+          </a:blip>
+          <a:stretch>
+            <a:fillRect/>
+          </a:stretch>
+        </p:blipFill>
+        <p:spPr>
+          <a:xfrm>
+            <a:off x="838200" y="2693035"/>
+            <a:ext cx="10435590" cy="664210"/>
+          </a:xfrm>
+          <a:prstGeom prst="rect">
+            <a:avLst/>
+          </a:prstGeom>
+        </p:spPr>
+      </p:pic>
     </p:spTree>
   </p:cSld>
   <p:clrMapOvr>
@@ -3616,9 +4293,9 @@
       <p:grpSpPr/>
       <p:sp>
         <p:nvSpPr>
-          <p:cNvPr id="2" name="Title 1"/>
-          <p:cNvSpPr>
-            <a:spLocks noGrp="1"/>
+          <p:cNvPr id="5" name="Title 4"/>
+          <p:cNvSpPr>
+            <a:spLocks noGrp="true"/>
           </p:cNvSpPr>
           <p:nvPr>
             <p:ph type="title"/>
@@ -3626,89 +4303,40 @@
         </p:nvSpPr>
         <p:spPr/>
         <p:txBody>
-          <a:bodyPr/>
-          <a:p>
-            <a:r>
-              <a:rPr lang="en-US"/>
-              <a:t>Genaralizing Concrete Invariants</a:t>
-            </a:r>
-            <a:endParaRPr lang="en-US"/>
-          </a:p>
-        </p:txBody>
-      </p:sp>
-      <p:sp>
-        <p:nvSpPr>
-          <p:cNvPr id="3" name="Content Placeholder 2"/>
-          <p:cNvSpPr>
-            <a:spLocks noGrp="1"/>
-          </p:cNvSpPr>
-          <p:nvPr>
-            <p:ph idx="1"/>
-          </p:nvPr>
-        </p:nvSpPr>
-        <p:spPr>
-          <a:xfrm>
-            <a:off x="838200" y="1449705"/>
-            <a:ext cx="10515600" cy="4727575"/>
-          </a:xfrm>
-        </p:spPr>
-        <p:txBody>
-          <a:bodyPr/>
-          <a:p>
-            <a:r>
-              <a:rPr lang="en-US"/>
-              <a:t>We generalize guarded commands in the context of a requirement and therefore have to add parameter constraints to describe the relations between the parameters of the requirement and those of the guarded command.</a:t>
-            </a:r>
-            <a:endParaRPr lang="en-US"/>
-          </a:p>
-          <a:p>
+          <a:bodyPr>
+            <a:normAutofit fontScale="90000"/>
+          </a:bodyPr>
+          <a:p>
+            <a:r>
+              <a:rPr lang="en-US">
+                <a:sym typeface="+mn-ea"/>
+              </a:rPr>
+              <a:t>Construct Concret Auxiliary Invariants</a:t>
+            </a:r>
             <a:endParaRPr lang="en-US"/>
           </a:p>
         </p:txBody>
       </p:sp>
       <p:pic>
         <p:nvPicPr>
-          <p:cNvPr id="4" name="Picture 3"/>
+          <p:cNvPr id="4" name="Content Placeholder 3"/>
           <p:cNvPicPr>
-            <a:picLocks noChangeAspect="1"/>
+            <a:picLocks noChangeAspect="true"/>
           </p:cNvPicPr>
           <p:nvPr/>
         </p:nvPicPr>
         <p:blipFill>
-          <a:blip r:embed="rId1"/>
+          <a:blip r:embed="rId1">
+            <a:lum bright="-12000" contrast="24000"/>
+          </a:blip>
           <a:stretch>
             <a:fillRect/>
           </a:stretch>
         </p:blipFill>
         <p:spPr>
           <a:xfrm>
-            <a:off x="923925" y="3192780"/>
-            <a:ext cx="10344150" cy="904875"/>
-          </a:xfrm>
-          <a:prstGeom prst="rect">
-            <a:avLst/>
-          </a:prstGeom>
-        </p:spPr>
-      </p:pic>
-      <p:pic>
-        <p:nvPicPr>
-          <p:cNvPr id="5" name="Picture 4"/>
-          <p:cNvPicPr>
-            <a:picLocks noChangeAspect="1"/>
-          </p:cNvPicPr>
-          <p:nvPr/>
-        </p:nvPicPr>
-        <p:blipFill>
-          <a:blip r:embed="rId2"/>
-          <a:srcRect b="1905"/>
-          <a:stretch>
-            <a:fillRect/>
-          </a:stretch>
-        </p:blipFill>
-        <p:spPr>
-          <a:xfrm>
-            <a:off x="923925" y="3949700"/>
-            <a:ext cx="10677525" cy="1177290"/>
+            <a:off x="913765" y="2599690"/>
+            <a:ext cx="10440035" cy="633095"/>
           </a:xfrm>
           <a:prstGeom prst="rect">
             <a:avLst/>
@@ -3841,7 +4469,7 @@
         <a:solidFill>
           <a:schemeClr val="phClr"/>
         </a:solidFill>
-        <a:gradFill rotWithShape="1">
+        <a:gradFill rotWithShape="true">
           <a:gsLst>
             <a:gs pos="0">
               <a:schemeClr val="phClr">
@@ -3865,9 +4493,9 @@
               </a:schemeClr>
             </a:gs>
           </a:gsLst>
-          <a:lin ang="5400000" scaled="0"/>
+          <a:lin ang="5400000" scaled="false"/>
         </a:gradFill>
-        <a:gradFill rotWithShape="1">
+        <a:gradFill rotWithShape="true">
           <a:gsLst>
             <a:gs pos="0">
               <a:schemeClr val="phClr">
@@ -3891,7 +4519,7 @@
               </a:schemeClr>
             </a:gs>
           </a:gsLst>
-          <a:lin ang="5400000" scaled="0"/>
+          <a:lin ang="5400000" scaled="false"/>
         </a:gradFill>
       </a:fillStyleLst>
       <a:lnStyleLst>
@@ -3944,7 +4572,7 @@
             <a:satMod val="170000"/>
           </a:schemeClr>
         </a:solidFill>
-        <a:gradFill rotWithShape="1">
+        <a:gradFill rotWithShape="true">
           <a:gsLst>
             <a:gs pos="0">
               <a:schemeClr val="phClr">
@@ -3969,7 +4597,7 @@
               </a:schemeClr>
             </a:gs>
           </a:gsLst>
-          <a:lin ang="5400000" scaled="0"/>
+          <a:lin ang="5400000" scaled="false"/>
         </a:gradFill>
       </a:bgFillStyleLst>
     </a:fmtScheme>
